--- a/presentation.pptx
+++ b/presentation.pptx
@@ -263,7 +263,7 @@
           <a:p>
             <a:fld id="{05D39BE2-954A-4535-BF5A-27DEC6DBB93D}" type="datetimeFigureOut">
               <a:rPr lang="fr-FR" smtClean="0"/>
-              <a:t>07/01/2024</a:t>
+              <a:t>08/01/2024</a:t>
             </a:fld>
             <a:endParaRPr lang="fr-FR"/>
           </a:p>
@@ -461,7 +461,7 @@
           <a:p>
             <a:fld id="{05D39BE2-954A-4535-BF5A-27DEC6DBB93D}" type="datetimeFigureOut">
               <a:rPr lang="fr-FR" smtClean="0"/>
-              <a:t>07/01/2024</a:t>
+              <a:t>08/01/2024</a:t>
             </a:fld>
             <a:endParaRPr lang="fr-FR"/>
           </a:p>
@@ -669,7 +669,7 @@
           <a:p>
             <a:fld id="{05D39BE2-954A-4535-BF5A-27DEC6DBB93D}" type="datetimeFigureOut">
               <a:rPr lang="fr-FR" smtClean="0"/>
-              <a:t>07/01/2024</a:t>
+              <a:t>08/01/2024</a:t>
             </a:fld>
             <a:endParaRPr lang="fr-FR"/>
           </a:p>
@@ -867,7 +867,7 @@
           <a:p>
             <a:fld id="{05D39BE2-954A-4535-BF5A-27DEC6DBB93D}" type="datetimeFigureOut">
               <a:rPr lang="fr-FR" smtClean="0"/>
-              <a:t>07/01/2024</a:t>
+              <a:t>08/01/2024</a:t>
             </a:fld>
             <a:endParaRPr lang="fr-FR"/>
           </a:p>
@@ -1142,7 +1142,7 @@
           <a:p>
             <a:fld id="{05D39BE2-954A-4535-BF5A-27DEC6DBB93D}" type="datetimeFigureOut">
               <a:rPr lang="fr-FR" smtClean="0"/>
-              <a:t>07/01/2024</a:t>
+              <a:t>08/01/2024</a:t>
             </a:fld>
             <a:endParaRPr lang="fr-FR"/>
           </a:p>
@@ -1407,7 +1407,7 @@
           <a:p>
             <a:fld id="{05D39BE2-954A-4535-BF5A-27DEC6DBB93D}" type="datetimeFigureOut">
               <a:rPr lang="fr-FR" smtClean="0"/>
-              <a:t>07/01/2024</a:t>
+              <a:t>08/01/2024</a:t>
             </a:fld>
             <a:endParaRPr lang="fr-FR"/>
           </a:p>
@@ -1819,7 +1819,7 @@
           <a:p>
             <a:fld id="{05D39BE2-954A-4535-BF5A-27DEC6DBB93D}" type="datetimeFigureOut">
               <a:rPr lang="fr-FR" smtClean="0"/>
-              <a:t>07/01/2024</a:t>
+              <a:t>08/01/2024</a:t>
             </a:fld>
             <a:endParaRPr lang="fr-FR"/>
           </a:p>
@@ -1960,7 +1960,7 @@
           <a:p>
             <a:fld id="{05D39BE2-954A-4535-BF5A-27DEC6DBB93D}" type="datetimeFigureOut">
               <a:rPr lang="fr-FR" smtClean="0"/>
-              <a:t>07/01/2024</a:t>
+              <a:t>08/01/2024</a:t>
             </a:fld>
             <a:endParaRPr lang="fr-FR"/>
           </a:p>
@@ -2073,7 +2073,7 @@
           <a:p>
             <a:fld id="{05D39BE2-954A-4535-BF5A-27DEC6DBB93D}" type="datetimeFigureOut">
               <a:rPr lang="fr-FR" smtClean="0"/>
-              <a:t>07/01/2024</a:t>
+              <a:t>08/01/2024</a:t>
             </a:fld>
             <a:endParaRPr lang="fr-FR"/>
           </a:p>
@@ -2384,7 +2384,7 @@
           <a:p>
             <a:fld id="{05D39BE2-954A-4535-BF5A-27DEC6DBB93D}" type="datetimeFigureOut">
               <a:rPr lang="fr-FR" smtClean="0"/>
-              <a:t>07/01/2024</a:t>
+              <a:t>08/01/2024</a:t>
             </a:fld>
             <a:endParaRPr lang="fr-FR"/>
           </a:p>
@@ -2672,7 +2672,7 @@
           <a:p>
             <a:fld id="{05D39BE2-954A-4535-BF5A-27DEC6DBB93D}" type="datetimeFigureOut">
               <a:rPr lang="fr-FR" smtClean="0"/>
-              <a:t>07/01/2024</a:t>
+              <a:t>08/01/2024</a:t>
             </a:fld>
             <a:endParaRPr lang="fr-FR"/>
           </a:p>
@@ -2913,7 +2913,7 @@
           <a:p>
             <a:fld id="{05D39BE2-954A-4535-BF5A-27DEC6DBB93D}" type="datetimeFigureOut">
               <a:rPr lang="fr-FR" smtClean="0"/>
-              <a:t>07/01/2024</a:t>
+              <a:t>08/01/2024</a:t>
             </a:fld>
             <a:endParaRPr lang="fr-FR"/>
           </a:p>
@@ -4511,7 +4511,7 @@
               <a:rPr lang="fr-FR" dirty="0">
                 <a:latin typeface="Comic Sans MS" panose="030F0702030302020204" pitchFamily="66" charset="0"/>
               </a:rPr>
-              <a:t>Par valeur de choix</a:t>
+              <a:t>En passant de proche en proche</a:t>
             </a:r>
           </a:p>
           <a:p>
@@ -4520,30 +4520,30 @@
               <a:rPr lang="fr-FR" dirty="0">
                 <a:latin typeface="Comic Sans MS" panose="030F0702030302020204" pitchFamily="66" charset="0"/>
               </a:rPr>
-              <a:t>Plus les déplacements sont proches </a:t>
-            </a:r>
-          </a:p>
-          <a:p>
-            <a:pPr marL="457200" lvl="1" indent="0">
-              <a:buNone/>
-            </a:pPr>
-            <a:r>
-              <a:rPr lang="fr-FR" dirty="0">
+              <a:t>Utilisation de vecteur pour avoir la case la plus proche de nous qui est la plus proche de </a:t>
+            </a:r>
+            <a:r>
+              <a:rPr lang="fr-FR">
                 <a:latin typeface="Comic Sans MS" panose="030F0702030302020204" pitchFamily="66" charset="0"/>
               </a:rPr>
-              <a:t>de la sortie et plus le programme sera valorisé.</a:t>
-            </a:r>
-          </a:p>
-          <a:p>
-            <a:pPr marL="457200" lvl="1" indent="0">
+              <a:t>la sortie</a:t>
+            </a:r>
+            <a:endParaRPr lang="fr-FR" dirty="0">
+              <a:latin typeface="Comic Sans MS" panose="030F0702030302020204" pitchFamily="66" charset="0"/>
+            </a:endParaRPr>
+          </a:p>
+          <a:p>
+            <a:endParaRPr lang="fr-FR" dirty="0">
+              <a:latin typeface="Comic Sans MS" panose="030F0702030302020204" pitchFamily="66" charset="0"/>
+            </a:endParaRPr>
+          </a:p>
+          <a:p>
+            <a:pPr marL="0" indent="0">
               <a:buNone/>
             </a:pPr>
-            <a:r>
-              <a:rPr lang="fr-FR" dirty="0">
-                <a:latin typeface="Comic Sans MS" panose="030F0702030302020204" pitchFamily="66" charset="0"/>
-              </a:rPr>
-              <a:t>(permet de connaitre si on s’éloigne ou si on se rapproche, si on ne possède pas toute la visibilité)</a:t>
-            </a:r>
+            <a:endParaRPr lang="fr-FR" dirty="0">
+              <a:latin typeface="Comic Sans MS" panose="030F0702030302020204" pitchFamily="66" charset="0"/>
+            </a:endParaRPr>
           </a:p>
           <a:p>
             <a:r>

--- a/presentation.pptx
+++ b/presentation.pptx
@@ -3917,23 +3917,44 @@
         </p:nvSpPr>
         <p:spPr>
           <a:xfrm>
-            <a:off x="438912" y="4687367"/>
-            <a:ext cx="4917948" cy="1335024"/>
+            <a:off x="0" y="6646297"/>
+            <a:ext cx="4917948" cy="198995"/>
           </a:xfrm>
         </p:spPr>
         <p:txBody>
           <a:bodyPr>
-            <a:normAutofit/>
+            <a:normAutofit fontScale="77500" lnSpcReduction="20000"/>
           </a:bodyPr>
           <a:lstStyle/>
           <a:p>
             <a:pPr algn="l"/>
             <a:r>
-              <a:rPr lang="fr-FR" sz="2800">
+              <a:rPr lang="fr-FR" sz="1200" dirty="0">
                 <a:latin typeface="Comic Sans MS" panose="030F0702030302020204" pitchFamily="66" charset="0"/>
               </a:rPr>
-              <a:t>Felix ton that lavarini</a:t>
-            </a:r>
+              <a:t>Felix ton </a:t>
+            </a:r>
+            <a:r>
+              <a:rPr lang="fr-FR" sz="1200" dirty="0" err="1">
+                <a:latin typeface="Comic Sans MS" panose="030F0702030302020204" pitchFamily="66" charset="0"/>
+              </a:rPr>
+              <a:t>that</a:t>
+            </a:r>
+            <a:r>
+              <a:rPr lang="fr-FR" sz="1200" dirty="0">
+                <a:latin typeface="Comic Sans MS" panose="030F0702030302020204" pitchFamily="66" charset="0"/>
+              </a:rPr>
+              <a:t> </a:t>
+            </a:r>
+            <a:r>
+              <a:rPr lang="fr-FR" sz="1200" dirty="0" err="1">
+                <a:latin typeface="Comic Sans MS" panose="030F0702030302020204" pitchFamily="66" charset="0"/>
+              </a:rPr>
+              <a:t>lavarini</a:t>
+            </a:r>
+            <a:endParaRPr lang="fr-FR" sz="1200" dirty="0">
+              <a:latin typeface="Comic Sans MS" panose="030F0702030302020204" pitchFamily="66" charset="0"/>
+            </a:endParaRPr>
           </a:p>
         </p:txBody>
       </p:sp>
@@ -4367,14 +4388,38 @@
             <p:ph idx="1"/>
           </p:nvPr>
         </p:nvSpPr>
-        <p:spPr/>
+        <p:spPr>
+          <a:xfrm>
+            <a:off x="838200" y="2847527"/>
+            <a:ext cx="10515600" cy="3329435"/>
+          </a:xfrm>
+        </p:spPr>
         <p:txBody>
           <a:bodyPr/>
           <a:lstStyle/>
           <a:p>
-            <a:endParaRPr lang="fr-FR" dirty="0">
-              <a:latin typeface="Comic Sans MS" panose="030F0702030302020204" pitchFamily="66" charset="0"/>
-            </a:endParaRPr>
+            <a:r>
+              <a:rPr lang="fr-FR" dirty="0">
+                <a:latin typeface="Comic Sans MS" panose="030F0702030302020204" pitchFamily="66" charset="0"/>
+              </a:rPr>
+              <a:t>1 méthodes de résolutions</a:t>
+            </a:r>
+          </a:p>
+          <a:p>
+            <a:r>
+              <a:rPr lang="fr-FR" dirty="0">
+                <a:latin typeface="Comic Sans MS" panose="030F0702030302020204" pitchFamily="66" charset="0"/>
+              </a:rPr>
+              <a:t>2 Types de données nécessaire</a:t>
+            </a:r>
+          </a:p>
+          <a:p>
+            <a:r>
+              <a:rPr lang="fr-FR" dirty="0">
+                <a:latin typeface="Comic Sans MS" panose="030F0702030302020204" pitchFamily="66" charset="0"/>
+              </a:rPr>
+              <a:t>3 Implémentation d’un algorithme de génération</a:t>
+            </a:r>
           </a:p>
         </p:txBody>
       </p:sp>
@@ -4463,25 +4508,27 @@
         </p:nvSpPr>
         <p:spPr>
           <a:xfrm>
-            <a:off x="0" y="1270342"/>
-            <a:ext cx="8616226" cy="5587658"/>
+            <a:off x="0" y="2190878"/>
+            <a:ext cx="7572950" cy="4667122"/>
           </a:xfrm>
         </p:spPr>
         <p:txBody>
-          <a:bodyPr/>
-          <a:lstStyle/>
-          <a:p>
-            <a:r>
-              <a:rPr lang="fr-FR" dirty="0">
+          <a:bodyPr>
+            <a:normAutofit/>
+          </a:bodyPr>
+          <a:lstStyle/>
+          <a:p>
+            <a:r>
+              <a:rPr lang="fr-FR" sz="2000" dirty="0">
                 <a:latin typeface="Comic Sans MS" panose="030F0702030302020204" pitchFamily="66" charset="0"/>
               </a:rPr>
-              <a:t>En suivant un coté</a:t>
+              <a:t>En suivant un coté (voir ci-contre)</a:t>
             </a:r>
           </a:p>
           <a:p>
             <a:pPr lvl="1"/>
             <a:r>
-              <a:rPr lang="fr-FR" dirty="0">
+              <a:rPr lang="fr-FR" sz="2000" dirty="0">
                 <a:latin typeface="Comic Sans MS" panose="030F0702030302020204" pitchFamily="66" charset="0"/>
               </a:rPr>
               <a:t>On tourne et on avance jusqu’à trouver la sortie</a:t>
@@ -4492,7 +4539,7 @@
               <a:buNone/>
             </a:pPr>
             <a:r>
-              <a:rPr lang="fr-FR" dirty="0">
+              <a:rPr lang="fr-FR" sz="2000" dirty="0">
                 <a:latin typeface="Comic Sans MS" panose="030F0702030302020204" pitchFamily="66" charset="0"/>
               </a:rPr>
               <a:t>On cherche ensuite le chemin le plus court</a:t>
@@ -4500,7 +4547,7 @@
           </a:p>
           <a:p>
             <a:r>
-              <a:rPr lang="fr-FR" dirty="0">
+              <a:rPr lang="fr-FR" sz="2000" dirty="0">
                 <a:latin typeface="Comic Sans MS" panose="030F0702030302020204" pitchFamily="66" charset="0"/>
               </a:rPr>
               <a:t>En commençant par la sortie </a:t>
@@ -4508,7 +4555,7 @@
           </a:p>
           <a:p>
             <a:r>
-              <a:rPr lang="fr-FR" dirty="0">
+              <a:rPr lang="fr-FR" sz="2000" dirty="0">
                 <a:latin typeface="Comic Sans MS" panose="030F0702030302020204" pitchFamily="66" charset="0"/>
               </a:rPr>
               <a:t>En passant de proche en proche</a:t>
@@ -4517,80 +4564,71 @@
           <a:p>
             <a:pPr lvl="1"/>
             <a:r>
-              <a:rPr lang="fr-FR" dirty="0">
+              <a:rPr lang="fr-FR" sz="2000" dirty="0">
                 <a:latin typeface="Comic Sans MS" panose="030F0702030302020204" pitchFamily="66" charset="0"/>
               </a:rPr>
-              <a:t>Utilisation de vecteur pour avoir la case la plus proche de nous qui est la plus proche de </a:t>
-            </a:r>
-            <a:r>
-              <a:rPr lang="fr-FR">
-                <a:latin typeface="Comic Sans MS" panose="030F0702030302020204" pitchFamily="66" charset="0"/>
-              </a:rPr>
-              <a:t>la sortie</a:t>
-            </a:r>
-            <a:endParaRPr lang="fr-FR" dirty="0">
-              <a:latin typeface="Comic Sans MS" panose="030F0702030302020204" pitchFamily="66" charset="0"/>
-            </a:endParaRPr>
-          </a:p>
-          <a:p>
-            <a:endParaRPr lang="fr-FR" dirty="0">
-              <a:latin typeface="Comic Sans MS" panose="030F0702030302020204" pitchFamily="66" charset="0"/>
-            </a:endParaRPr>
-          </a:p>
-          <a:p>
-            <a:pPr marL="0" indent="0">
-              <a:buNone/>
-            </a:pPr>
-            <a:endParaRPr lang="fr-FR" dirty="0">
-              <a:latin typeface="Comic Sans MS" panose="030F0702030302020204" pitchFamily="66" charset="0"/>
-            </a:endParaRPr>
-          </a:p>
-          <a:p>
-            <a:r>
-              <a:rPr lang="fr-FR" dirty="0">
+              <a:t>Utilisation de vecteur pour avoir la case la plus proche de nous qui est la plus proche de la sortie</a:t>
+            </a:r>
+          </a:p>
+          <a:p>
+            <a:r>
+              <a:rPr lang="fr-FR" sz="2000" dirty="0">
                 <a:latin typeface="Comic Sans MS" panose="030F0702030302020204" pitchFamily="66" charset="0"/>
               </a:rPr>
               <a:t>Avec DFS (</a:t>
             </a:r>
             <a:r>
-              <a:rPr lang="fr-FR" dirty="0" err="1">
+              <a:rPr lang="fr-FR" sz="2000" dirty="0" err="1">
                 <a:latin typeface="Comic Sans MS" panose="030F0702030302020204" pitchFamily="66" charset="0"/>
               </a:rPr>
               <a:t>depth</a:t>
             </a:r>
             <a:r>
-              <a:rPr lang="fr-FR" dirty="0">
+              <a:rPr lang="fr-FR" sz="2000" dirty="0">
                 <a:latin typeface="Comic Sans MS" panose="030F0702030302020204" pitchFamily="66" charset="0"/>
               </a:rPr>
-              <a:t> first </a:t>
-            </a:r>
-            <a:r>
-              <a:rPr lang="fr-FR" dirty="0" err="1">
+              <a:t>-first </a:t>
+            </a:r>
+            <a:r>
+              <a:rPr lang="fr-FR" sz="2000" dirty="0" err="1">
                 <a:latin typeface="Comic Sans MS" panose="030F0702030302020204" pitchFamily="66" charset="0"/>
               </a:rPr>
-              <a:t>seach</a:t>
-            </a:r>
-            <a:r>
-              <a:rPr lang="fr-FR" dirty="0">
+              <a:t>search</a:t>
+            </a:r>
+            <a:r>
+              <a:rPr lang="fr-FR" sz="2000" dirty="0">
                 <a:latin typeface="Comic Sans MS" panose="030F0702030302020204" pitchFamily="66" charset="0"/>
               </a:rPr>
               <a:t>) (optionnel)</a:t>
             </a:r>
           </a:p>
           <a:p>
-            <a:pPr lvl="1"/>
-            <a:r>
-              <a:rPr lang="fr-FR" dirty="0">
+            <a:pPr marL="457200" lvl="1" indent="0">
+              <a:buNone/>
+            </a:pPr>
+            <a:r>
+              <a:rPr lang="fr-FR" sz="2000" dirty="0">
                 <a:latin typeface="Comic Sans MS" panose="030F0702030302020204" pitchFamily="66" charset="0"/>
               </a:rPr>
-              <a:t>ou algorithme de recherche en profondeur</a:t>
+              <a:t>Ou algorithme de recherche en profondeur</a:t>
+            </a:r>
+          </a:p>
+          <a:p>
+            <a:pPr marL="457200" lvl="1" indent="0">
+              <a:buNone/>
+            </a:pPr>
+            <a:r>
+              <a:rPr lang="fr-FR" sz="2000" dirty="0">
+                <a:latin typeface="Comic Sans MS" panose="030F0702030302020204" pitchFamily="66" charset="0"/>
+              </a:rPr>
+              <a:t>Permet également de générer un labyrinthe</a:t>
             </a:r>
           </a:p>
           <a:p>
             <a:pPr marL="0" indent="0">
               <a:buNone/>
             </a:pPr>
-            <a:endParaRPr lang="fr-FR" dirty="0">
+            <a:endParaRPr lang="fr-FR" sz="2000" dirty="0">
               <a:latin typeface="Comic Sans MS" panose="030F0702030302020204" pitchFamily="66" charset="0"/>
             </a:endParaRPr>
           </a:p>
@@ -4624,7 +4662,7 @@
         </p:blipFill>
         <p:spPr>
           <a:xfrm>
-            <a:off x="7697207" y="1008936"/>
+            <a:off x="7635838" y="1218663"/>
             <a:ext cx="4494793" cy="4420674"/>
           </a:xfrm>
           <a:prstGeom prst="rect">
@@ -4723,6 +4761,20 @@
             </a:r>
           </a:p>
           <a:p>
+            <a:pPr lvl="1"/>
+            <a:r>
+              <a:rPr lang="fr-FR" dirty="0"/>
+              <a:t>Pions (étape de résolution)</a:t>
+            </a:r>
+          </a:p>
+          <a:p>
+            <a:pPr lvl="1"/>
+            <a:r>
+              <a:rPr lang="fr-FR" dirty="0"/>
+              <a:t>Points (coordonnées)</a:t>
+            </a:r>
+          </a:p>
+          <a:p>
             <a:r>
               <a:rPr lang="fr-FR" dirty="0"/>
               <a:t>Files ou piles supplémentaire si nécessaire en fonction de la demande</a:t>
@@ -4733,6 +4785,13 @@
             <a:r>
               <a:rPr lang="fr-FR" dirty="0"/>
               <a:t>(utile surtout pour les threads si c’est implémenté)</a:t>
+            </a:r>
+          </a:p>
+          <a:p>
+            <a:pPr lvl="1"/>
+            <a:r>
+              <a:rPr lang="fr-FR" dirty="0"/>
+              <a:t>Certains algorithmes nécessitent des piles ou files</a:t>
             </a:r>
           </a:p>
         </p:txBody>
@@ -5064,6 +5123,13 @@
               <a:t>On ne perd pas de temps à faire les données nous même</a:t>
             </a:r>
           </a:p>
+          <a:p>
+            <a:pPr lvl="1"/>
+            <a:r>
+              <a:rPr lang="fr-FR" dirty="0"/>
+              <a:t>En utilisant un algorithme plus ou moins avancé on peut gagner de l’espace mémoire en C</a:t>
+            </a:r>
+          </a:p>
         </p:txBody>
       </p:sp>
       <p:sp>
@@ -5288,7 +5354,7 @@
         </p:nvSpPr>
         <p:spPr>
           <a:xfrm>
-            <a:off x="380488" y="552970"/>
+            <a:off x="619828" y="552970"/>
             <a:ext cx="3890803" cy="428289"/>
           </a:xfrm>
           <a:prstGeom prst="rect">

--- a/presentation.pptx
+++ b/presentation.pptx
@@ -263,7 +263,7 @@
           <a:p>
             <a:fld id="{05D39BE2-954A-4535-BF5A-27DEC6DBB93D}" type="datetimeFigureOut">
               <a:rPr lang="fr-FR" smtClean="0"/>
-              <a:t>08/01/2024</a:t>
+              <a:t>09/01/2024</a:t>
             </a:fld>
             <a:endParaRPr lang="fr-FR"/>
           </a:p>
@@ -461,7 +461,7 @@
           <a:p>
             <a:fld id="{05D39BE2-954A-4535-BF5A-27DEC6DBB93D}" type="datetimeFigureOut">
               <a:rPr lang="fr-FR" smtClean="0"/>
-              <a:t>08/01/2024</a:t>
+              <a:t>09/01/2024</a:t>
             </a:fld>
             <a:endParaRPr lang="fr-FR"/>
           </a:p>
@@ -669,7 +669,7 @@
           <a:p>
             <a:fld id="{05D39BE2-954A-4535-BF5A-27DEC6DBB93D}" type="datetimeFigureOut">
               <a:rPr lang="fr-FR" smtClean="0"/>
-              <a:t>08/01/2024</a:t>
+              <a:t>09/01/2024</a:t>
             </a:fld>
             <a:endParaRPr lang="fr-FR"/>
           </a:p>
@@ -867,7 +867,7 @@
           <a:p>
             <a:fld id="{05D39BE2-954A-4535-BF5A-27DEC6DBB93D}" type="datetimeFigureOut">
               <a:rPr lang="fr-FR" smtClean="0"/>
-              <a:t>08/01/2024</a:t>
+              <a:t>09/01/2024</a:t>
             </a:fld>
             <a:endParaRPr lang="fr-FR"/>
           </a:p>
@@ -1142,7 +1142,7 @@
           <a:p>
             <a:fld id="{05D39BE2-954A-4535-BF5A-27DEC6DBB93D}" type="datetimeFigureOut">
               <a:rPr lang="fr-FR" smtClean="0"/>
-              <a:t>08/01/2024</a:t>
+              <a:t>09/01/2024</a:t>
             </a:fld>
             <a:endParaRPr lang="fr-FR"/>
           </a:p>
@@ -1407,7 +1407,7 @@
           <a:p>
             <a:fld id="{05D39BE2-954A-4535-BF5A-27DEC6DBB93D}" type="datetimeFigureOut">
               <a:rPr lang="fr-FR" smtClean="0"/>
-              <a:t>08/01/2024</a:t>
+              <a:t>09/01/2024</a:t>
             </a:fld>
             <a:endParaRPr lang="fr-FR"/>
           </a:p>
@@ -1819,7 +1819,7 @@
           <a:p>
             <a:fld id="{05D39BE2-954A-4535-BF5A-27DEC6DBB93D}" type="datetimeFigureOut">
               <a:rPr lang="fr-FR" smtClean="0"/>
-              <a:t>08/01/2024</a:t>
+              <a:t>09/01/2024</a:t>
             </a:fld>
             <a:endParaRPr lang="fr-FR"/>
           </a:p>
@@ -1960,7 +1960,7 @@
           <a:p>
             <a:fld id="{05D39BE2-954A-4535-BF5A-27DEC6DBB93D}" type="datetimeFigureOut">
               <a:rPr lang="fr-FR" smtClean="0"/>
-              <a:t>08/01/2024</a:t>
+              <a:t>09/01/2024</a:t>
             </a:fld>
             <a:endParaRPr lang="fr-FR"/>
           </a:p>
@@ -2073,7 +2073,7 @@
           <a:p>
             <a:fld id="{05D39BE2-954A-4535-BF5A-27DEC6DBB93D}" type="datetimeFigureOut">
               <a:rPr lang="fr-FR" smtClean="0"/>
-              <a:t>08/01/2024</a:t>
+              <a:t>09/01/2024</a:t>
             </a:fld>
             <a:endParaRPr lang="fr-FR"/>
           </a:p>
@@ -2384,7 +2384,7 @@
           <a:p>
             <a:fld id="{05D39BE2-954A-4535-BF5A-27DEC6DBB93D}" type="datetimeFigureOut">
               <a:rPr lang="fr-FR" smtClean="0"/>
-              <a:t>08/01/2024</a:t>
+              <a:t>09/01/2024</a:t>
             </a:fld>
             <a:endParaRPr lang="fr-FR"/>
           </a:p>
@@ -2672,7 +2672,7 @@
           <a:p>
             <a:fld id="{05D39BE2-954A-4535-BF5A-27DEC6DBB93D}" type="datetimeFigureOut">
               <a:rPr lang="fr-FR" smtClean="0"/>
-              <a:t>08/01/2024</a:t>
+              <a:t>09/01/2024</a:t>
             </a:fld>
             <a:endParaRPr lang="fr-FR"/>
           </a:p>
@@ -2913,7 +2913,7 @@
           <a:p>
             <a:fld id="{05D39BE2-954A-4535-BF5A-27DEC6DBB93D}" type="datetimeFigureOut">
               <a:rPr lang="fr-FR" smtClean="0"/>
-              <a:t>08/01/2024</a:t>
+              <a:t>09/01/2024</a:t>
             </a:fld>
             <a:endParaRPr lang="fr-FR"/>
           </a:p>
@@ -4662,8 +4662,8 @@
         </p:blipFill>
         <p:spPr>
           <a:xfrm>
-            <a:off x="7635838" y="1218663"/>
-            <a:ext cx="4494793" cy="4420674"/>
+            <a:off x="8180505" y="991597"/>
+            <a:ext cx="4011495" cy="3945346"/>
           </a:xfrm>
           <a:prstGeom prst="rect">
             <a:avLst/>
@@ -4791,7 +4791,7 @@
             <a:pPr lvl="1"/>
             <a:r>
               <a:rPr lang="fr-FR" dirty="0"/>
-              <a:t>Certains algorithmes nécessitent des piles ou files</a:t>
+              <a:t>Certains algorithmes nécessitent des piles ou files (pas dans les 3 premières méthodes)</a:t>
             </a:r>
           </a:p>
         </p:txBody>

--- a/presentation.pptx
+++ b/presentation.pptx
@@ -263,7 +263,7 @@
           <a:p>
             <a:fld id="{05D39BE2-954A-4535-BF5A-27DEC6DBB93D}" type="datetimeFigureOut">
               <a:rPr lang="fr-FR" smtClean="0"/>
-              <a:t>09/01/2024</a:t>
+              <a:t>12/12/2025</a:t>
             </a:fld>
             <a:endParaRPr lang="fr-FR"/>
           </a:p>
@@ -461,7 +461,7 @@
           <a:p>
             <a:fld id="{05D39BE2-954A-4535-BF5A-27DEC6DBB93D}" type="datetimeFigureOut">
               <a:rPr lang="fr-FR" smtClean="0"/>
-              <a:t>09/01/2024</a:t>
+              <a:t>12/12/2025</a:t>
             </a:fld>
             <a:endParaRPr lang="fr-FR"/>
           </a:p>
@@ -669,7 +669,7 @@
           <a:p>
             <a:fld id="{05D39BE2-954A-4535-BF5A-27DEC6DBB93D}" type="datetimeFigureOut">
               <a:rPr lang="fr-FR" smtClean="0"/>
-              <a:t>09/01/2024</a:t>
+              <a:t>12/12/2025</a:t>
             </a:fld>
             <a:endParaRPr lang="fr-FR"/>
           </a:p>
@@ -867,7 +867,7 @@
           <a:p>
             <a:fld id="{05D39BE2-954A-4535-BF5A-27DEC6DBB93D}" type="datetimeFigureOut">
               <a:rPr lang="fr-FR" smtClean="0"/>
-              <a:t>09/01/2024</a:t>
+              <a:t>12/12/2025</a:t>
             </a:fld>
             <a:endParaRPr lang="fr-FR"/>
           </a:p>
@@ -1142,7 +1142,7 @@
           <a:p>
             <a:fld id="{05D39BE2-954A-4535-BF5A-27DEC6DBB93D}" type="datetimeFigureOut">
               <a:rPr lang="fr-FR" smtClean="0"/>
-              <a:t>09/01/2024</a:t>
+              <a:t>12/12/2025</a:t>
             </a:fld>
             <a:endParaRPr lang="fr-FR"/>
           </a:p>
@@ -1407,7 +1407,7 @@
           <a:p>
             <a:fld id="{05D39BE2-954A-4535-BF5A-27DEC6DBB93D}" type="datetimeFigureOut">
               <a:rPr lang="fr-FR" smtClean="0"/>
-              <a:t>09/01/2024</a:t>
+              <a:t>12/12/2025</a:t>
             </a:fld>
             <a:endParaRPr lang="fr-FR"/>
           </a:p>
@@ -1819,7 +1819,7 @@
           <a:p>
             <a:fld id="{05D39BE2-954A-4535-BF5A-27DEC6DBB93D}" type="datetimeFigureOut">
               <a:rPr lang="fr-FR" smtClean="0"/>
-              <a:t>09/01/2024</a:t>
+              <a:t>12/12/2025</a:t>
             </a:fld>
             <a:endParaRPr lang="fr-FR"/>
           </a:p>
@@ -1960,7 +1960,7 @@
           <a:p>
             <a:fld id="{05D39BE2-954A-4535-BF5A-27DEC6DBB93D}" type="datetimeFigureOut">
               <a:rPr lang="fr-FR" smtClean="0"/>
-              <a:t>09/01/2024</a:t>
+              <a:t>12/12/2025</a:t>
             </a:fld>
             <a:endParaRPr lang="fr-FR"/>
           </a:p>
@@ -2073,7 +2073,7 @@
           <a:p>
             <a:fld id="{05D39BE2-954A-4535-BF5A-27DEC6DBB93D}" type="datetimeFigureOut">
               <a:rPr lang="fr-FR" smtClean="0"/>
-              <a:t>09/01/2024</a:t>
+              <a:t>12/12/2025</a:t>
             </a:fld>
             <a:endParaRPr lang="fr-FR"/>
           </a:p>
@@ -2384,7 +2384,7 @@
           <a:p>
             <a:fld id="{05D39BE2-954A-4535-BF5A-27DEC6DBB93D}" type="datetimeFigureOut">
               <a:rPr lang="fr-FR" smtClean="0"/>
-              <a:t>09/01/2024</a:t>
+              <a:t>12/12/2025</a:t>
             </a:fld>
             <a:endParaRPr lang="fr-FR"/>
           </a:p>
@@ -2672,7 +2672,7 @@
           <a:p>
             <a:fld id="{05D39BE2-954A-4535-BF5A-27DEC6DBB93D}" type="datetimeFigureOut">
               <a:rPr lang="fr-FR" smtClean="0"/>
-              <a:t>09/01/2024</a:t>
+              <a:t>12/12/2025</a:t>
             </a:fld>
             <a:endParaRPr lang="fr-FR"/>
           </a:p>
@@ -2913,7 +2913,7 @@
           <a:p>
             <a:fld id="{05D39BE2-954A-4535-BF5A-27DEC6DBB93D}" type="datetimeFigureOut">
               <a:rPr lang="fr-FR" smtClean="0"/>
-              <a:t>09/01/2024</a:t>
+              <a:t>12/12/2025</a:t>
             </a:fld>
             <a:endParaRPr lang="fr-FR"/>
           </a:p>
@@ -5538,7 +5538,7 @@
             </a:pPr>
             <a:r>
               <a:rPr lang="fr-FR" sz="2000" dirty="0"/>
-              <a:t>Supplémentaire (optionnelle)</a:t>
+              <a:t>Supplémentaire (optionnel)</a:t>
             </a:r>
           </a:p>
         </p:txBody>
